--- a/ScriptedPolicyEvalUseCase.pptx
+++ b/ScriptedPolicyEvalUseCase.pptx
@@ -113,7 +113,7 @@
   </p:defaultTextStyle>
   <p:extLst>
     <p:ext uri="{EFAFB233-063F-42B5-8137-9DF3F51BA10A}">
-      <p15:sldGuideLst xmlns="" xmlns:p15="http://schemas.microsoft.com/office/powerpoint/2012/main"/>
+      <p15:sldGuideLst xmlns:p15="http://schemas.microsoft.com/office/powerpoint/2012/main" xmlns=""/>
     </p:ext>
   </p:extLst>
 </p:presentation>
@@ -6483,11 +6483,6 @@
               </a:rPr>
               <a:t>Scripting Demo</a:t>
             </a:r>
-            <a:endParaRPr lang="en-US" sz="4800" dirty="0">
-              <a:solidFill>
-                <a:srgbClr val="000000"/>
-              </a:solidFill>
-            </a:endParaRPr>
           </a:p>
         </p:txBody>
       </p:sp>
@@ -6550,9 +6545,19 @@
             <a:pPr marL="440256" indent="0">
               <a:buNone/>
             </a:pPr>
+            <a:endParaRPr lang="en-US" sz="2100" dirty="0" smtClean="0"/>
+          </a:p>
+          <a:p>
+            <a:pPr marL="440256" indent="0">
+              <a:buNone/>
+            </a:pPr>
+            <a:r>
+              <a:rPr lang="en-US" sz="2100" dirty="0" smtClean="0"/>
+              <a:t>Evaluate </a:t>
+            </a:r>
             <a:r>
               <a:rPr lang="en-US" sz="2100" dirty="0"/>
-              <a:t>Evaluate policy for the resource “</a:t>
+              <a:t>policy for the resource “</a:t>
             </a:r>
             <a:r>
               <a:rPr lang="en-US" sz="2100" dirty="0" err="1"/>
@@ -6646,7 +6651,7 @@
         </p:blipFill>
         <p:spPr>
           <a:xfrm>
-            <a:off x="1175284" y="2204775"/>
+            <a:off x="1163072" y="2058243"/>
             <a:ext cx="10106817" cy="919887"/>
           </a:xfrm>
           <a:prstGeom prst="rect">
@@ -6752,11 +6757,6 @@
               </a:rPr>
               <a:t>Scripting Demo</a:t>
             </a:r>
-            <a:endParaRPr lang="en-US" sz="4800" dirty="0">
-              <a:solidFill>
-                <a:srgbClr val="000000"/>
-              </a:solidFill>
-            </a:endParaRPr>
           </a:p>
         </p:txBody>
       </p:sp>
@@ -6831,9 +6831,19 @@
             <a:pPr indent="0">
               <a:buNone/>
             </a:pPr>
+            <a:endParaRPr lang="en-US" sz="2100" dirty="0" smtClean="0"/>
+          </a:p>
+          <a:p>
+            <a:pPr indent="0">
+              <a:buNone/>
+            </a:pPr>
+            <a:r>
+              <a:rPr lang="en-US" sz="2100" dirty="0" smtClean="0"/>
+              <a:t>Logout </a:t>
+            </a:r>
             <a:r>
               <a:rPr lang="en-US" sz="2100" dirty="0"/>
-              <a:t>Logout the service account or the user</a:t>
+              <a:t>the service account or the user</a:t>
             </a:r>
           </a:p>
           <a:p>
@@ -6898,7 +6908,7 @@
         </p:blipFill>
         <p:spPr>
           <a:xfrm>
-            <a:off x="1185517" y="3095531"/>
+            <a:off x="1185517" y="2912366"/>
             <a:ext cx="7312161" cy="1307556"/>
           </a:xfrm>
           <a:prstGeom prst="rect">
@@ -7241,7 +7251,7 @@
   <a:extraClrSchemeLst/>
   <a:extLst>
     <a:ext uri="{05A4C25C-085E-4340-85A3-A5531E510DB2}">
-      <thm15:themeFamily xmlns="" xmlns:thm15="http://schemas.microsoft.com/office/thememl/2012/main" name="Presentation1" id="{36460C9C-797F-8B4E-ADB4-ECDFFF9873C0}" vid="{148329F4-4DD9-8D4F-8513-480832017D97}"/>
+      <thm15:themeFamily xmlns:thm15="http://schemas.microsoft.com/office/thememl/2012/main" xmlns="" name="Presentation1" id="{36460C9C-797F-8B4E-ADB4-ECDFFF9873C0}" vid="{148329F4-4DD9-8D4F-8513-480832017D97}"/>
     </a:ext>
   </a:extLst>
 </a:theme>
@@ -7502,7 +7512,7 @@
   <a:extraClrSchemeLst/>
   <a:extLst>
     <a:ext uri="{05A4C25C-085E-4340-85A3-A5531E510DB2}">
-      <thm15:themeFamily xmlns="" xmlns:thm15="http://schemas.microsoft.com/office/thememl/2012/main" name="Presentation1" id="{36460C9C-797F-8B4E-ADB4-ECDFFF9873C0}" vid="{A7BEE1BE-56EC-1F43-B1F1-8409E37786A9}"/>
+      <thm15:themeFamily xmlns:thm15="http://schemas.microsoft.com/office/thememl/2012/main" xmlns="" name="Presentation1" id="{36460C9C-797F-8B4E-ADB4-ECDFFF9873C0}" vid="{A7BEE1BE-56EC-1F43-B1F1-8409E37786A9}"/>
     </a:ext>
   </a:extLst>
 </a:theme>
@@ -7763,7 +7773,7 @@
   <a:extraClrSchemeLst/>
   <a:extLst>
     <a:ext uri="{05A4C25C-085E-4340-85A3-A5531E510DB2}">
-      <thm15:themeFamily xmlns="" xmlns:thm15="http://schemas.microsoft.com/office/thememl/2012/main" name="Office Theme" id="{62F939B6-93AF-4DB8-9C6B-D6C7DFDC589F}" vid="{4A3C46E8-61CC-4603-A589-7422A47A8E4A}"/>
+      <thm15:themeFamily xmlns:thm15="http://schemas.microsoft.com/office/thememl/2012/main" xmlns="" name="Office Theme" id="{62F939B6-93AF-4DB8-9C6B-D6C7DFDC589F}" vid="{4A3C46E8-61CC-4603-A589-7422A47A8E4A}"/>
     </a:ext>
   </a:extLst>
 </a:theme>
